--- a/paper/Figures.pptx
+++ b/paper/Figures.pptx
@@ -6,6 +6,8 @@
   </p:sldMasterIdLst>
   <p:sldIdLst>
     <p:sldId id="256" r:id="rId2"/>
+    <p:sldId id="257" r:id="rId3"/>
+    <p:sldId id="258" r:id="rId4"/>
   </p:sldIdLst>
   <p:sldSz cx="6858000" cy="9144000" type="screen4x3"/>
   <p:notesSz cx="6858000" cy="9144000"/>
@@ -288,7 +290,7 @@
           <a:p>
             <a:fld id="{AA771E24-8EE6-4F6D-99C8-BB8509BAD521}" type="datetimeFigureOut">
               <a:rPr lang="en-US" smtClean="0"/>
-              <a:t>2/26/2016</a:t>
+              <a:t>4/5/2016</a:t>
             </a:fld>
             <a:endParaRPr lang="en-US"/>
           </a:p>
@@ -458,7 +460,7 @@
           <a:p>
             <a:fld id="{AA771E24-8EE6-4F6D-99C8-BB8509BAD521}" type="datetimeFigureOut">
               <a:rPr lang="en-US" smtClean="0"/>
-              <a:t>2/26/2016</a:t>
+              <a:t>4/5/2016</a:t>
             </a:fld>
             <a:endParaRPr lang="en-US"/>
           </a:p>
@@ -638,7 +640,7 @@
           <a:p>
             <a:fld id="{AA771E24-8EE6-4F6D-99C8-BB8509BAD521}" type="datetimeFigureOut">
               <a:rPr lang="en-US" smtClean="0"/>
-              <a:t>2/26/2016</a:t>
+              <a:t>4/5/2016</a:t>
             </a:fld>
             <a:endParaRPr lang="en-US"/>
           </a:p>
@@ -808,7 +810,7 @@
           <a:p>
             <a:fld id="{AA771E24-8EE6-4F6D-99C8-BB8509BAD521}" type="datetimeFigureOut">
               <a:rPr lang="en-US" smtClean="0"/>
-              <a:t>2/26/2016</a:t>
+              <a:t>4/5/2016</a:t>
             </a:fld>
             <a:endParaRPr lang="en-US"/>
           </a:p>
@@ -1054,7 +1056,7 @@
           <a:p>
             <a:fld id="{AA771E24-8EE6-4F6D-99C8-BB8509BAD521}" type="datetimeFigureOut">
               <a:rPr lang="en-US" smtClean="0"/>
-              <a:t>2/26/2016</a:t>
+              <a:t>4/5/2016</a:t>
             </a:fld>
             <a:endParaRPr lang="en-US"/>
           </a:p>
@@ -1342,7 +1344,7 @@
           <a:p>
             <a:fld id="{AA771E24-8EE6-4F6D-99C8-BB8509BAD521}" type="datetimeFigureOut">
               <a:rPr lang="en-US" smtClean="0"/>
-              <a:t>2/26/2016</a:t>
+              <a:t>4/5/2016</a:t>
             </a:fld>
             <a:endParaRPr lang="en-US"/>
           </a:p>
@@ -1769,7 +1771,7 @@
           <a:p>
             <a:fld id="{AA771E24-8EE6-4F6D-99C8-BB8509BAD521}" type="datetimeFigureOut">
               <a:rPr lang="en-US" smtClean="0"/>
-              <a:t>2/26/2016</a:t>
+              <a:t>4/5/2016</a:t>
             </a:fld>
             <a:endParaRPr lang="en-US"/>
           </a:p>
@@ -1887,7 +1889,7 @@
           <a:p>
             <a:fld id="{AA771E24-8EE6-4F6D-99C8-BB8509BAD521}" type="datetimeFigureOut">
               <a:rPr lang="en-US" smtClean="0"/>
-              <a:t>2/26/2016</a:t>
+              <a:t>4/5/2016</a:t>
             </a:fld>
             <a:endParaRPr lang="en-US"/>
           </a:p>
@@ -1982,7 +1984,7 @@
           <a:p>
             <a:fld id="{AA771E24-8EE6-4F6D-99C8-BB8509BAD521}" type="datetimeFigureOut">
               <a:rPr lang="en-US" smtClean="0"/>
-              <a:t>2/26/2016</a:t>
+              <a:t>4/5/2016</a:t>
             </a:fld>
             <a:endParaRPr lang="en-US"/>
           </a:p>
@@ -2259,7 +2261,7 @@
           <a:p>
             <a:fld id="{AA771E24-8EE6-4F6D-99C8-BB8509BAD521}" type="datetimeFigureOut">
               <a:rPr lang="en-US" smtClean="0"/>
-              <a:t>2/26/2016</a:t>
+              <a:t>4/5/2016</a:t>
             </a:fld>
             <a:endParaRPr lang="en-US"/>
           </a:p>
@@ -2512,7 +2514,7 @@
           <a:p>
             <a:fld id="{AA771E24-8EE6-4F6D-99C8-BB8509BAD521}" type="datetimeFigureOut">
               <a:rPr lang="en-US" smtClean="0"/>
-              <a:t>2/26/2016</a:t>
+              <a:t>4/5/2016</a:t>
             </a:fld>
             <a:endParaRPr lang="en-US"/>
           </a:p>
@@ -2725,7 +2727,7 @@
           <a:p>
             <a:fld id="{AA771E24-8EE6-4F6D-99C8-BB8509BAD521}" type="datetimeFigureOut">
               <a:rPr lang="en-US" smtClean="0"/>
-              <a:t>2/26/2016</a:t>
+              <a:t>4/5/2016</a:t>
             </a:fld>
             <a:endParaRPr lang="en-US"/>
           </a:p>
@@ -3808,10 +3810,6 @@
               </a:rPr>
               <a:t>3</a:t>
             </a:r>
-            <a:endParaRPr lang="en-US" i="1" baseline="-25000" dirty="0">
-              <a:latin typeface="Times New Roman" pitchFamily="18" charset="0"/>
-              <a:cs typeface="Times New Roman" pitchFamily="18" charset="0"/>
-            </a:endParaRPr>
           </a:p>
         </p:txBody>
       </p:sp>
@@ -3819,6 +3817,2226 @@
     <p:extLst>
       <p:ext uri="{BB962C8B-B14F-4D97-AF65-F5344CB8AC3E}">
         <p14:creationId xmlns:p14="http://schemas.microsoft.com/office/powerpoint/2010/main" val="2882477714"/>
+      </p:ext>
+    </p:extLst>
+  </p:cSld>
+  <p:clrMapOvr>
+    <a:masterClrMapping/>
+  </p:clrMapOvr>
+  <p:timing>
+    <p:tnLst>
+      <p:par>
+        <p:cTn id="1" dur="indefinite" restart="never" nodeType="tmRoot"/>
+      </p:par>
+    </p:tnLst>
+  </p:timing>
+</p:sld>
+</file>
+
+<file path=ppt/slides/slide2.xml><?xml version="1.0" encoding="utf-8"?>
+<p:sld xmlns:a="http://schemas.openxmlformats.org/drawingml/2006/main" xmlns:r="http://schemas.openxmlformats.org/officeDocument/2006/relationships" xmlns:p="http://schemas.openxmlformats.org/presentationml/2006/main">
+  <p:cSld>
+    <p:spTree>
+      <p:nvGrpSpPr>
+        <p:cNvPr id="1" name=""/>
+        <p:cNvGrpSpPr/>
+        <p:nvPr/>
+      </p:nvGrpSpPr>
+      <p:grpSpPr>
+        <a:xfrm>
+          <a:off x="0" y="0"/>
+          <a:ext cx="0" cy="0"/>
+          <a:chOff x="0" y="0"/>
+          <a:chExt cx="0" cy="0"/>
+        </a:xfrm>
+      </p:grpSpPr>
+      <p:cxnSp>
+        <p:nvCxnSpPr>
+          <p:cNvPr id="8" name="Straight Arrow Connector 7"/>
+          <p:cNvCxnSpPr/>
+          <p:nvPr/>
+        </p:nvCxnSpPr>
+        <p:spPr>
+          <a:xfrm>
+            <a:off x="914400" y="4495800"/>
+            <a:ext cx="5791200" cy="0"/>
+          </a:xfrm>
+          <a:prstGeom prst="straightConnector1">
+            <a:avLst/>
+          </a:prstGeom>
+          <a:ln w="25400">
+            <a:solidFill>
+              <a:schemeClr val="tx1"/>
+            </a:solidFill>
+            <a:tailEnd type="arrow"/>
+          </a:ln>
+        </p:spPr>
+        <p:style>
+          <a:lnRef idx="1">
+            <a:schemeClr val="accent1"/>
+          </a:lnRef>
+          <a:fillRef idx="0">
+            <a:schemeClr val="accent1"/>
+          </a:fillRef>
+          <a:effectRef idx="0">
+            <a:schemeClr val="accent1"/>
+          </a:effectRef>
+          <a:fontRef idx="minor">
+            <a:schemeClr val="tx1"/>
+          </a:fontRef>
+        </p:style>
+      </p:cxnSp>
+      <p:sp>
+        <p:nvSpPr>
+          <p:cNvPr id="9" name="Freeform 8"/>
+          <p:cNvSpPr/>
+          <p:nvPr/>
+        </p:nvSpPr>
+        <p:spPr>
+          <a:xfrm>
+            <a:off x="336550" y="1181100"/>
+            <a:ext cx="3479800" cy="3113841"/>
+          </a:xfrm>
+          <a:custGeom>
+            <a:avLst/>
+            <a:gdLst>
+              <a:gd name="connsiteX0" fmla="*/ 0 w 3479800"/>
+              <a:gd name="connsiteY0" fmla="*/ 0 h 3113841"/>
+              <a:gd name="connsiteX1" fmla="*/ 838200 w 3479800"/>
+              <a:gd name="connsiteY1" fmla="*/ 2266950 h 3113841"/>
+              <a:gd name="connsiteX2" fmla="*/ 1720850 w 3479800"/>
+              <a:gd name="connsiteY2" fmla="*/ 3111500 h 3113841"/>
+              <a:gd name="connsiteX3" fmla="*/ 2559050 w 3479800"/>
+              <a:gd name="connsiteY3" fmla="*/ 2425700 h 3113841"/>
+              <a:gd name="connsiteX4" fmla="*/ 3479800 w 3479800"/>
+              <a:gd name="connsiteY4" fmla="*/ 12700 h 3113841"/>
+            </a:gdLst>
+            <a:ahLst/>
+            <a:cxnLst>
+              <a:cxn ang="0">
+                <a:pos x="connsiteX0" y="connsiteY0"/>
+              </a:cxn>
+              <a:cxn ang="0">
+                <a:pos x="connsiteX1" y="connsiteY1"/>
+              </a:cxn>
+              <a:cxn ang="0">
+                <a:pos x="connsiteX2" y="connsiteY2"/>
+              </a:cxn>
+              <a:cxn ang="0">
+                <a:pos x="connsiteX3" y="connsiteY3"/>
+              </a:cxn>
+              <a:cxn ang="0">
+                <a:pos x="connsiteX4" y="connsiteY4"/>
+              </a:cxn>
+            </a:cxnLst>
+            <a:rect l="l" t="t" r="r" b="b"/>
+            <a:pathLst>
+              <a:path w="3479800" h="3113841">
+                <a:moveTo>
+                  <a:pt x="0" y="0"/>
+                </a:moveTo>
+                <a:cubicBezTo>
+                  <a:pt x="275696" y="874183"/>
+                  <a:pt x="551392" y="1748367"/>
+                  <a:pt x="838200" y="2266950"/>
+                </a:cubicBezTo>
+                <a:cubicBezTo>
+                  <a:pt x="1125008" y="2785533"/>
+                  <a:pt x="1434042" y="3085042"/>
+                  <a:pt x="1720850" y="3111500"/>
+                </a:cubicBezTo>
+                <a:cubicBezTo>
+                  <a:pt x="2007658" y="3137958"/>
+                  <a:pt x="2265892" y="2942167"/>
+                  <a:pt x="2559050" y="2425700"/>
+                </a:cubicBezTo>
+                <a:cubicBezTo>
+                  <a:pt x="2852208" y="1909233"/>
+                  <a:pt x="3166004" y="960966"/>
+                  <a:pt x="3479800" y="12700"/>
+                </a:cubicBezTo>
+              </a:path>
+            </a:pathLst>
+          </a:custGeom>
+          <a:ln w="76200">
+            <a:solidFill>
+              <a:schemeClr val="tx1"/>
+            </a:solidFill>
+          </a:ln>
+        </p:spPr>
+        <p:style>
+          <a:lnRef idx="1">
+            <a:schemeClr val="accent1"/>
+          </a:lnRef>
+          <a:fillRef idx="0">
+            <a:schemeClr val="accent1"/>
+          </a:fillRef>
+          <a:effectRef idx="0">
+            <a:schemeClr val="accent1"/>
+          </a:effectRef>
+          <a:fontRef idx="minor">
+            <a:schemeClr val="tx1"/>
+          </a:fontRef>
+        </p:style>
+        <p:txBody>
+          <a:bodyPr rtlCol="0" anchor="ctr"/>
+          <a:lstStyle/>
+          <a:p>
+            <a:pPr algn="ctr"/>
+            <a:endParaRPr lang="en-US"/>
+          </a:p>
+        </p:txBody>
+      </p:sp>
+      <p:sp>
+        <p:nvSpPr>
+          <p:cNvPr id="10" name="Freeform 9"/>
+          <p:cNvSpPr/>
+          <p:nvPr/>
+        </p:nvSpPr>
+        <p:spPr>
+          <a:xfrm>
+            <a:off x="139700" y="990600"/>
+            <a:ext cx="4857750" cy="2444756"/>
+          </a:xfrm>
+          <a:custGeom>
+            <a:avLst/>
+            <a:gdLst>
+              <a:gd name="connsiteX0" fmla="*/ 0 w 4857750"/>
+              <a:gd name="connsiteY0" fmla="*/ 0 h 2444756"/>
+              <a:gd name="connsiteX1" fmla="*/ 2514600 w 4857750"/>
+              <a:gd name="connsiteY1" fmla="*/ 2444750 h 2444756"/>
+              <a:gd name="connsiteX2" fmla="*/ 4857750 w 4857750"/>
+              <a:gd name="connsiteY2" fmla="*/ 19050 h 2444756"/>
+            </a:gdLst>
+            <a:ahLst/>
+            <a:cxnLst>
+              <a:cxn ang="0">
+                <a:pos x="connsiteX0" y="connsiteY0"/>
+              </a:cxn>
+              <a:cxn ang="0">
+                <a:pos x="connsiteX1" y="connsiteY1"/>
+              </a:cxn>
+              <a:cxn ang="0">
+                <a:pos x="connsiteX2" y="connsiteY2"/>
+              </a:cxn>
+            </a:cxnLst>
+            <a:rect l="l" t="t" r="r" b="b"/>
+            <a:pathLst>
+              <a:path w="4857750" h="2444756">
+                <a:moveTo>
+                  <a:pt x="0" y="0"/>
+                </a:moveTo>
+                <a:cubicBezTo>
+                  <a:pt x="852487" y="1220787"/>
+                  <a:pt x="1704975" y="2441575"/>
+                  <a:pt x="2514600" y="2444750"/>
+                </a:cubicBezTo>
+                <a:cubicBezTo>
+                  <a:pt x="3324225" y="2447925"/>
+                  <a:pt x="4090987" y="1233487"/>
+                  <a:pt x="4857750" y="19050"/>
+                </a:cubicBezTo>
+              </a:path>
+            </a:pathLst>
+          </a:custGeom>
+          <a:ln w="50800">
+            <a:solidFill>
+              <a:schemeClr val="tx1"/>
+            </a:solidFill>
+          </a:ln>
+        </p:spPr>
+        <p:style>
+          <a:lnRef idx="1">
+            <a:schemeClr val="accent1"/>
+          </a:lnRef>
+          <a:fillRef idx="0">
+            <a:schemeClr val="accent1"/>
+          </a:fillRef>
+          <a:effectRef idx="0">
+            <a:schemeClr val="accent1"/>
+          </a:effectRef>
+          <a:fontRef idx="minor">
+            <a:schemeClr val="tx1"/>
+          </a:fontRef>
+        </p:style>
+        <p:txBody>
+          <a:bodyPr rtlCol="0" anchor="ctr"/>
+          <a:lstStyle/>
+          <a:p>
+            <a:pPr algn="ctr"/>
+            <a:endParaRPr lang="en-US"/>
+          </a:p>
+        </p:txBody>
+      </p:sp>
+      <p:sp>
+        <p:nvSpPr>
+          <p:cNvPr id="11" name="Freeform 10"/>
+          <p:cNvSpPr/>
+          <p:nvPr/>
+        </p:nvSpPr>
+        <p:spPr>
+          <a:xfrm>
+            <a:off x="311150" y="476250"/>
+            <a:ext cx="6215279" cy="1816100"/>
+          </a:xfrm>
+          <a:custGeom>
+            <a:avLst/>
+            <a:gdLst>
+              <a:gd name="connsiteX0" fmla="*/ 0 w 6629400"/>
+              <a:gd name="connsiteY0" fmla="*/ 0 h 1816100"/>
+              <a:gd name="connsiteX1" fmla="*/ 3600450 w 6629400"/>
+              <a:gd name="connsiteY1" fmla="*/ 1816100 h 1816100"/>
+              <a:gd name="connsiteX2" fmla="*/ 6629400 w 6629400"/>
+              <a:gd name="connsiteY2" fmla="*/ 6350 h 1816100"/>
+            </a:gdLst>
+            <a:ahLst/>
+            <a:cxnLst>
+              <a:cxn ang="0">
+                <a:pos x="connsiteX0" y="connsiteY0"/>
+              </a:cxn>
+              <a:cxn ang="0">
+                <a:pos x="connsiteX1" y="connsiteY1"/>
+              </a:cxn>
+              <a:cxn ang="0">
+                <a:pos x="connsiteX2" y="connsiteY2"/>
+              </a:cxn>
+            </a:cxnLst>
+            <a:rect l="l" t="t" r="r" b="b"/>
+            <a:pathLst>
+              <a:path w="6629400" h="1816100">
+                <a:moveTo>
+                  <a:pt x="0" y="0"/>
+                </a:moveTo>
+                <a:cubicBezTo>
+                  <a:pt x="1247775" y="907521"/>
+                  <a:pt x="2495550" y="1815042"/>
+                  <a:pt x="3600450" y="1816100"/>
+                </a:cubicBezTo>
+                <a:cubicBezTo>
+                  <a:pt x="4705350" y="1817158"/>
+                  <a:pt x="5667375" y="911754"/>
+                  <a:pt x="6629400" y="6350"/>
+                </a:cubicBezTo>
+              </a:path>
+            </a:pathLst>
+          </a:custGeom>
+          <a:ln w="25400">
+            <a:solidFill>
+              <a:schemeClr val="tx1"/>
+            </a:solidFill>
+          </a:ln>
+        </p:spPr>
+        <p:style>
+          <a:lnRef idx="1">
+            <a:schemeClr val="accent1"/>
+          </a:lnRef>
+          <a:fillRef idx="0">
+            <a:schemeClr val="accent1"/>
+          </a:fillRef>
+          <a:effectRef idx="0">
+            <a:schemeClr val="accent1"/>
+          </a:effectRef>
+          <a:fontRef idx="minor">
+            <a:schemeClr val="tx1"/>
+          </a:fontRef>
+        </p:style>
+        <p:txBody>
+          <a:bodyPr rtlCol="0" anchor="ctr"/>
+          <a:lstStyle/>
+          <a:p>
+            <a:pPr algn="ctr"/>
+            <a:endParaRPr lang="en-US"/>
+          </a:p>
+        </p:txBody>
+      </p:sp>
+      <p:cxnSp>
+        <p:nvCxnSpPr>
+          <p:cNvPr id="12" name="Straight Arrow Connector 11"/>
+          <p:cNvCxnSpPr/>
+          <p:nvPr/>
+        </p:nvCxnSpPr>
+        <p:spPr>
+          <a:xfrm flipV="1">
+            <a:off x="1333500" y="476250"/>
+            <a:ext cx="0" cy="4552951"/>
+          </a:xfrm>
+          <a:prstGeom prst="straightConnector1">
+            <a:avLst/>
+          </a:prstGeom>
+          <a:ln w="25400">
+            <a:solidFill>
+              <a:schemeClr val="tx1"/>
+            </a:solidFill>
+            <a:tailEnd type="arrow"/>
+          </a:ln>
+        </p:spPr>
+        <p:style>
+          <a:lnRef idx="1">
+            <a:schemeClr val="accent1"/>
+          </a:lnRef>
+          <a:fillRef idx="0">
+            <a:schemeClr val="accent1"/>
+          </a:fillRef>
+          <a:effectRef idx="0">
+            <a:schemeClr val="accent1"/>
+          </a:effectRef>
+          <a:fontRef idx="minor">
+            <a:schemeClr val="tx1"/>
+          </a:fontRef>
+        </p:style>
+      </p:cxnSp>
+      <p:sp>
+        <p:nvSpPr>
+          <p:cNvPr id="15" name="TextBox 14"/>
+          <p:cNvSpPr txBox="1"/>
+          <p:nvPr/>
+        </p:nvSpPr>
+        <p:spPr>
+          <a:xfrm>
+            <a:off x="6248400" y="4454207"/>
+            <a:ext cx="340158" cy="523220"/>
+          </a:xfrm>
+          <a:prstGeom prst="rect">
+            <a:avLst/>
+          </a:prstGeom>
+          <a:noFill/>
+        </p:spPr>
+        <p:txBody>
+          <a:bodyPr wrap="none" rtlCol="0">
+            <a:spAutoFit/>
+          </a:bodyPr>
+          <a:lstStyle/>
+          <a:p>
+            <a:r>
+              <a:rPr lang="en-US" sz="2800" dirty="0" smtClean="0"/>
+              <a:t>x</a:t>
+            </a:r>
+            <a:endParaRPr lang="en-US" sz="2800" dirty="0"/>
+          </a:p>
+        </p:txBody>
+      </p:sp>
+      <p:sp>
+        <p:nvSpPr>
+          <p:cNvPr id="17" name="TextBox 16"/>
+          <p:cNvSpPr txBox="1"/>
+          <p:nvPr/>
+        </p:nvSpPr>
+        <p:spPr>
+          <a:xfrm>
+            <a:off x="3260039" y="886917"/>
+            <a:ext cx="625492" cy="369332"/>
+          </a:xfrm>
+          <a:prstGeom prst="rect">
+            <a:avLst/>
+          </a:prstGeom>
+          <a:noFill/>
+        </p:spPr>
+        <p:txBody>
+          <a:bodyPr wrap="none" rtlCol="0">
+            <a:spAutoFit/>
+          </a:bodyPr>
+          <a:lstStyle/>
+          <a:p>
+            <a:r>
+              <a:rPr lang="en-US" dirty="0" smtClean="0"/>
+              <a:t>q</a:t>
+            </a:r>
+            <a:r>
+              <a:rPr lang="en-US" baseline="-25000" dirty="0" smtClean="0"/>
+              <a:t>1</a:t>
+            </a:r>
+            <a:r>
+              <a:rPr lang="en-US" dirty="0" smtClean="0"/>
+              <a:t>(x)</a:t>
+            </a:r>
+            <a:endParaRPr lang="en-US" dirty="0"/>
+          </a:p>
+        </p:txBody>
+      </p:sp>
+      <p:sp>
+        <p:nvSpPr>
+          <p:cNvPr id="18" name="TextBox 17"/>
+          <p:cNvSpPr txBox="1"/>
+          <p:nvPr/>
+        </p:nvSpPr>
+        <p:spPr>
+          <a:xfrm>
+            <a:off x="4684704" y="648960"/>
+            <a:ext cx="625492" cy="369332"/>
+          </a:xfrm>
+          <a:prstGeom prst="rect">
+            <a:avLst/>
+          </a:prstGeom>
+          <a:noFill/>
+        </p:spPr>
+        <p:txBody>
+          <a:bodyPr wrap="none" rtlCol="0">
+            <a:spAutoFit/>
+          </a:bodyPr>
+          <a:lstStyle/>
+          <a:p>
+            <a:r>
+              <a:rPr lang="en-US" dirty="0" smtClean="0"/>
+              <a:t>q</a:t>
+            </a:r>
+            <a:r>
+              <a:rPr lang="en-US" baseline="-25000" dirty="0"/>
+              <a:t>2</a:t>
+            </a:r>
+            <a:r>
+              <a:rPr lang="en-US" dirty="0" smtClean="0"/>
+              <a:t>(x)</a:t>
+            </a:r>
+            <a:endParaRPr lang="en-US" dirty="0"/>
+          </a:p>
+        </p:txBody>
+      </p:sp>
+      <p:sp>
+        <p:nvSpPr>
+          <p:cNvPr id="19" name="TextBox 18"/>
+          <p:cNvSpPr txBox="1"/>
+          <p:nvPr/>
+        </p:nvSpPr>
+        <p:spPr>
+          <a:xfrm>
+            <a:off x="596900" y="439639"/>
+            <a:ext cx="625492" cy="369332"/>
+          </a:xfrm>
+          <a:prstGeom prst="rect">
+            <a:avLst/>
+          </a:prstGeom>
+          <a:noFill/>
+        </p:spPr>
+        <p:txBody>
+          <a:bodyPr wrap="none" rtlCol="0">
+            <a:spAutoFit/>
+          </a:bodyPr>
+          <a:lstStyle/>
+          <a:p>
+            <a:r>
+              <a:rPr lang="en-US" dirty="0" smtClean="0"/>
+              <a:t>q</a:t>
+            </a:r>
+            <a:r>
+              <a:rPr lang="en-US" baseline="-25000" dirty="0"/>
+              <a:t>3</a:t>
+            </a:r>
+            <a:r>
+              <a:rPr lang="en-US" dirty="0" smtClean="0"/>
+              <a:t>(x)</a:t>
+            </a:r>
+            <a:endParaRPr lang="en-US" dirty="0"/>
+          </a:p>
+        </p:txBody>
+      </p:sp>
+      <p:sp>
+        <p:nvSpPr>
+          <p:cNvPr id="22" name="Freeform 21"/>
+          <p:cNvSpPr/>
+          <p:nvPr/>
+        </p:nvSpPr>
+        <p:spPr>
+          <a:xfrm>
+            <a:off x="101600" y="482600"/>
+            <a:ext cx="6426200" cy="3832728"/>
+          </a:xfrm>
+          <a:custGeom>
+            <a:avLst/>
+            <a:gdLst>
+              <a:gd name="connsiteX0" fmla="*/ 0 w 6426200"/>
+              <a:gd name="connsiteY0" fmla="*/ 444500 h 3859647"/>
+              <a:gd name="connsiteX1" fmla="*/ 184150 w 6426200"/>
+              <a:gd name="connsiteY1" fmla="*/ 698500 h 3859647"/>
+              <a:gd name="connsiteX2" fmla="*/ 298450 w 6426200"/>
+              <a:gd name="connsiteY2" fmla="*/ 844550 h 3859647"/>
+              <a:gd name="connsiteX3" fmla="*/ 615950 w 6426200"/>
+              <a:gd name="connsiteY3" fmla="*/ 1873250 h 3859647"/>
+              <a:gd name="connsiteX4" fmla="*/ 1206500 w 6426200"/>
+              <a:gd name="connsiteY4" fmla="*/ 3175000 h 3859647"/>
+              <a:gd name="connsiteX5" fmla="*/ 1835150 w 6426200"/>
+              <a:gd name="connsiteY5" fmla="*/ 3778250 h 3859647"/>
+              <a:gd name="connsiteX6" fmla="*/ 2108200 w 6426200"/>
+              <a:gd name="connsiteY6" fmla="*/ 3816350 h 3859647"/>
+              <a:gd name="connsiteX7" fmla="*/ 2622550 w 6426200"/>
+              <a:gd name="connsiteY7" fmla="*/ 3429000 h 3859647"/>
+              <a:gd name="connsiteX8" fmla="*/ 2914650 w 6426200"/>
+              <a:gd name="connsiteY8" fmla="*/ 2927350 h 3859647"/>
+              <a:gd name="connsiteX9" fmla="*/ 2946400 w 6426200"/>
+              <a:gd name="connsiteY9" fmla="*/ 2863850 h 3859647"/>
+              <a:gd name="connsiteX10" fmla="*/ 3289300 w 6426200"/>
+              <a:gd name="connsiteY10" fmla="*/ 2654300 h 3859647"/>
+              <a:gd name="connsiteX11" fmla="*/ 3708400 w 6426200"/>
+              <a:gd name="connsiteY11" fmla="*/ 2254250 h 3859647"/>
+              <a:gd name="connsiteX12" fmla="*/ 4064000 w 6426200"/>
+              <a:gd name="connsiteY12" fmla="*/ 1803400 h 3859647"/>
+              <a:gd name="connsiteX13" fmla="*/ 4140200 w 6426200"/>
+              <a:gd name="connsiteY13" fmla="*/ 1733550 h 3859647"/>
+              <a:gd name="connsiteX14" fmla="*/ 4552950 w 6426200"/>
+              <a:gd name="connsiteY14" fmla="*/ 1562100 h 3859647"/>
+              <a:gd name="connsiteX15" fmla="*/ 5270500 w 6426200"/>
+              <a:gd name="connsiteY15" fmla="*/ 1092200 h 3859647"/>
+              <a:gd name="connsiteX16" fmla="*/ 6426200 w 6426200"/>
+              <a:gd name="connsiteY16" fmla="*/ 0 h 3859647"/>
+              <a:gd name="connsiteX0" fmla="*/ 0 w 6426200"/>
+              <a:gd name="connsiteY0" fmla="*/ 444500 h 3845006"/>
+              <a:gd name="connsiteX1" fmla="*/ 184150 w 6426200"/>
+              <a:gd name="connsiteY1" fmla="*/ 698500 h 3845006"/>
+              <a:gd name="connsiteX2" fmla="*/ 298450 w 6426200"/>
+              <a:gd name="connsiteY2" fmla="*/ 844550 h 3845006"/>
+              <a:gd name="connsiteX3" fmla="*/ 615950 w 6426200"/>
+              <a:gd name="connsiteY3" fmla="*/ 1873250 h 3845006"/>
+              <a:gd name="connsiteX4" fmla="*/ 1206500 w 6426200"/>
+              <a:gd name="connsiteY4" fmla="*/ 3175000 h 3845006"/>
+              <a:gd name="connsiteX5" fmla="*/ 1835150 w 6426200"/>
+              <a:gd name="connsiteY5" fmla="*/ 3778250 h 3845006"/>
+              <a:gd name="connsiteX6" fmla="*/ 2108200 w 6426200"/>
+              <a:gd name="connsiteY6" fmla="*/ 3816350 h 3845006"/>
+              <a:gd name="connsiteX7" fmla="*/ 2622550 w 6426200"/>
+              <a:gd name="connsiteY7" fmla="*/ 3429000 h 3845006"/>
+              <a:gd name="connsiteX8" fmla="*/ 2914650 w 6426200"/>
+              <a:gd name="connsiteY8" fmla="*/ 2927350 h 3845006"/>
+              <a:gd name="connsiteX9" fmla="*/ 2946400 w 6426200"/>
+              <a:gd name="connsiteY9" fmla="*/ 2863850 h 3845006"/>
+              <a:gd name="connsiteX10" fmla="*/ 3289300 w 6426200"/>
+              <a:gd name="connsiteY10" fmla="*/ 2654300 h 3845006"/>
+              <a:gd name="connsiteX11" fmla="*/ 3708400 w 6426200"/>
+              <a:gd name="connsiteY11" fmla="*/ 2254250 h 3845006"/>
+              <a:gd name="connsiteX12" fmla="*/ 4064000 w 6426200"/>
+              <a:gd name="connsiteY12" fmla="*/ 1803400 h 3845006"/>
+              <a:gd name="connsiteX13" fmla="*/ 4140200 w 6426200"/>
+              <a:gd name="connsiteY13" fmla="*/ 1733550 h 3845006"/>
+              <a:gd name="connsiteX14" fmla="*/ 4552950 w 6426200"/>
+              <a:gd name="connsiteY14" fmla="*/ 1562100 h 3845006"/>
+              <a:gd name="connsiteX15" fmla="*/ 5270500 w 6426200"/>
+              <a:gd name="connsiteY15" fmla="*/ 1092200 h 3845006"/>
+              <a:gd name="connsiteX16" fmla="*/ 6426200 w 6426200"/>
+              <a:gd name="connsiteY16" fmla="*/ 0 h 3845006"/>
+              <a:gd name="connsiteX0" fmla="*/ 0 w 6426200"/>
+              <a:gd name="connsiteY0" fmla="*/ 444500 h 3832728"/>
+              <a:gd name="connsiteX1" fmla="*/ 184150 w 6426200"/>
+              <a:gd name="connsiteY1" fmla="*/ 698500 h 3832728"/>
+              <a:gd name="connsiteX2" fmla="*/ 298450 w 6426200"/>
+              <a:gd name="connsiteY2" fmla="*/ 844550 h 3832728"/>
+              <a:gd name="connsiteX3" fmla="*/ 615950 w 6426200"/>
+              <a:gd name="connsiteY3" fmla="*/ 1873250 h 3832728"/>
+              <a:gd name="connsiteX4" fmla="*/ 1206500 w 6426200"/>
+              <a:gd name="connsiteY4" fmla="*/ 3175000 h 3832728"/>
+              <a:gd name="connsiteX5" fmla="*/ 1695450 w 6426200"/>
+              <a:gd name="connsiteY5" fmla="*/ 3702050 h 3832728"/>
+              <a:gd name="connsiteX6" fmla="*/ 2108200 w 6426200"/>
+              <a:gd name="connsiteY6" fmla="*/ 3816350 h 3832728"/>
+              <a:gd name="connsiteX7" fmla="*/ 2622550 w 6426200"/>
+              <a:gd name="connsiteY7" fmla="*/ 3429000 h 3832728"/>
+              <a:gd name="connsiteX8" fmla="*/ 2914650 w 6426200"/>
+              <a:gd name="connsiteY8" fmla="*/ 2927350 h 3832728"/>
+              <a:gd name="connsiteX9" fmla="*/ 2946400 w 6426200"/>
+              <a:gd name="connsiteY9" fmla="*/ 2863850 h 3832728"/>
+              <a:gd name="connsiteX10" fmla="*/ 3289300 w 6426200"/>
+              <a:gd name="connsiteY10" fmla="*/ 2654300 h 3832728"/>
+              <a:gd name="connsiteX11" fmla="*/ 3708400 w 6426200"/>
+              <a:gd name="connsiteY11" fmla="*/ 2254250 h 3832728"/>
+              <a:gd name="connsiteX12" fmla="*/ 4064000 w 6426200"/>
+              <a:gd name="connsiteY12" fmla="*/ 1803400 h 3832728"/>
+              <a:gd name="connsiteX13" fmla="*/ 4140200 w 6426200"/>
+              <a:gd name="connsiteY13" fmla="*/ 1733550 h 3832728"/>
+              <a:gd name="connsiteX14" fmla="*/ 4552950 w 6426200"/>
+              <a:gd name="connsiteY14" fmla="*/ 1562100 h 3832728"/>
+              <a:gd name="connsiteX15" fmla="*/ 5270500 w 6426200"/>
+              <a:gd name="connsiteY15" fmla="*/ 1092200 h 3832728"/>
+              <a:gd name="connsiteX16" fmla="*/ 6426200 w 6426200"/>
+              <a:gd name="connsiteY16" fmla="*/ 0 h 3832728"/>
+            </a:gdLst>
+            <a:ahLst/>
+            <a:cxnLst>
+              <a:cxn ang="0">
+                <a:pos x="connsiteX0" y="connsiteY0"/>
+              </a:cxn>
+              <a:cxn ang="0">
+                <a:pos x="connsiteX1" y="connsiteY1"/>
+              </a:cxn>
+              <a:cxn ang="0">
+                <a:pos x="connsiteX2" y="connsiteY2"/>
+              </a:cxn>
+              <a:cxn ang="0">
+                <a:pos x="connsiteX3" y="connsiteY3"/>
+              </a:cxn>
+              <a:cxn ang="0">
+                <a:pos x="connsiteX4" y="connsiteY4"/>
+              </a:cxn>
+              <a:cxn ang="0">
+                <a:pos x="connsiteX5" y="connsiteY5"/>
+              </a:cxn>
+              <a:cxn ang="0">
+                <a:pos x="connsiteX6" y="connsiteY6"/>
+              </a:cxn>
+              <a:cxn ang="0">
+                <a:pos x="connsiteX7" y="connsiteY7"/>
+              </a:cxn>
+              <a:cxn ang="0">
+                <a:pos x="connsiteX8" y="connsiteY8"/>
+              </a:cxn>
+              <a:cxn ang="0">
+                <a:pos x="connsiteX9" y="connsiteY9"/>
+              </a:cxn>
+              <a:cxn ang="0">
+                <a:pos x="connsiteX10" y="connsiteY10"/>
+              </a:cxn>
+              <a:cxn ang="0">
+                <a:pos x="connsiteX11" y="connsiteY11"/>
+              </a:cxn>
+              <a:cxn ang="0">
+                <a:pos x="connsiteX12" y="connsiteY12"/>
+              </a:cxn>
+              <a:cxn ang="0">
+                <a:pos x="connsiteX13" y="connsiteY13"/>
+              </a:cxn>
+              <a:cxn ang="0">
+                <a:pos x="connsiteX14" y="connsiteY14"/>
+              </a:cxn>
+              <a:cxn ang="0">
+                <a:pos x="connsiteX15" y="connsiteY15"/>
+              </a:cxn>
+              <a:cxn ang="0">
+                <a:pos x="connsiteX16" y="connsiteY16"/>
+              </a:cxn>
+            </a:cxnLst>
+            <a:rect l="l" t="t" r="r" b="b"/>
+            <a:pathLst>
+              <a:path w="6426200" h="3832728">
+                <a:moveTo>
+                  <a:pt x="0" y="444500"/>
+                </a:moveTo>
+                <a:cubicBezTo>
+                  <a:pt x="67204" y="538162"/>
+                  <a:pt x="134408" y="631825"/>
+                  <a:pt x="184150" y="698500"/>
+                </a:cubicBezTo>
+                <a:cubicBezTo>
+                  <a:pt x="233892" y="765175"/>
+                  <a:pt x="226483" y="648758"/>
+                  <a:pt x="298450" y="844550"/>
+                </a:cubicBezTo>
+                <a:cubicBezTo>
+                  <a:pt x="370417" y="1040342"/>
+                  <a:pt x="464608" y="1484842"/>
+                  <a:pt x="615950" y="1873250"/>
+                </a:cubicBezTo>
+                <a:cubicBezTo>
+                  <a:pt x="767292" y="2261658"/>
+                  <a:pt x="1026583" y="2870200"/>
+                  <a:pt x="1206500" y="3175000"/>
+                </a:cubicBezTo>
+                <a:cubicBezTo>
+                  <a:pt x="1386417" y="3479800"/>
+                  <a:pt x="1545167" y="3595158"/>
+                  <a:pt x="1695450" y="3702050"/>
+                </a:cubicBezTo>
+                <a:cubicBezTo>
+                  <a:pt x="1845733" y="3808942"/>
+                  <a:pt x="1953683" y="3861858"/>
+                  <a:pt x="2108200" y="3816350"/>
+                </a:cubicBezTo>
+                <a:cubicBezTo>
+                  <a:pt x="2262717" y="3770842"/>
+                  <a:pt x="2488142" y="3577167"/>
+                  <a:pt x="2622550" y="3429000"/>
+                </a:cubicBezTo>
+                <a:cubicBezTo>
+                  <a:pt x="2756958" y="3280833"/>
+                  <a:pt x="2860675" y="3021542"/>
+                  <a:pt x="2914650" y="2927350"/>
+                </a:cubicBezTo>
+                <a:cubicBezTo>
+                  <a:pt x="2968625" y="2833158"/>
+                  <a:pt x="2883958" y="2909358"/>
+                  <a:pt x="2946400" y="2863850"/>
+                </a:cubicBezTo>
+                <a:cubicBezTo>
+                  <a:pt x="3008842" y="2818342"/>
+                  <a:pt x="3162300" y="2755900"/>
+                  <a:pt x="3289300" y="2654300"/>
+                </a:cubicBezTo>
+                <a:cubicBezTo>
+                  <a:pt x="3416300" y="2552700"/>
+                  <a:pt x="3579283" y="2396067"/>
+                  <a:pt x="3708400" y="2254250"/>
+                </a:cubicBezTo>
+                <a:cubicBezTo>
+                  <a:pt x="3837517" y="2112433"/>
+                  <a:pt x="3992033" y="1890183"/>
+                  <a:pt x="4064000" y="1803400"/>
+                </a:cubicBezTo>
+                <a:cubicBezTo>
+                  <a:pt x="4135967" y="1716617"/>
+                  <a:pt x="4058708" y="1773767"/>
+                  <a:pt x="4140200" y="1733550"/>
+                </a:cubicBezTo>
+                <a:cubicBezTo>
+                  <a:pt x="4221692" y="1693333"/>
+                  <a:pt x="4364567" y="1668992"/>
+                  <a:pt x="4552950" y="1562100"/>
+                </a:cubicBezTo>
+                <a:cubicBezTo>
+                  <a:pt x="4741333" y="1455208"/>
+                  <a:pt x="4958292" y="1352550"/>
+                  <a:pt x="5270500" y="1092200"/>
+                </a:cubicBezTo>
+                <a:cubicBezTo>
+                  <a:pt x="5582708" y="831850"/>
+                  <a:pt x="6004454" y="415925"/>
+                  <a:pt x="6426200" y="0"/>
+                </a:cubicBezTo>
+              </a:path>
+            </a:pathLst>
+          </a:custGeom>
+          <a:ln w="88900">
+            <a:solidFill>
+              <a:srgbClr val="FF0000"/>
+            </a:solidFill>
+            <a:prstDash val="dash"/>
+          </a:ln>
+        </p:spPr>
+        <p:style>
+          <a:lnRef idx="1">
+            <a:schemeClr val="accent1"/>
+          </a:lnRef>
+          <a:fillRef idx="0">
+            <a:schemeClr val="accent1"/>
+          </a:fillRef>
+          <a:effectRef idx="0">
+            <a:schemeClr val="accent1"/>
+          </a:effectRef>
+          <a:fontRef idx="minor">
+            <a:schemeClr val="tx1"/>
+          </a:fontRef>
+        </p:style>
+        <p:txBody>
+          <a:bodyPr rtlCol="0" anchor="ctr"/>
+          <a:lstStyle/>
+          <a:p>
+            <a:pPr algn="ctr"/>
+            <a:endParaRPr lang="en-US"/>
+          </a:p>
+        </p:txBody>
+      </p:sp>
+      <p:sp>
+        <p:nvSpPr>
+          <p:cNvPr id="24" name="TextBox 23"/>
+          <p:cNvSpPr txBox="1"/>
+          <p:nvPr/>
+        </p:nvSpPr>
+        <p:spPr>
+          <a:xfrm>
+            <a:off x="5384226" y="4429551"/>
+            <a:ext cx="659155" cy="584775"/>
+          </a:xfrm>
+          <a:prstGeom prst="rect">
+            <a:avLst/>
+          </a:prstGeom>
+          <a:noFill/>
+        </p:spPr>
+        <p:txBody>
+          <a:bodyPr wrap="none" rtlCol="0">
+            <a:spAutoFit/>
+          </a:bodyPr>
+          <a:lstStyle/>
+          <a:p>
+            <a:pPr algn="ctr"/>
+            <a:r>
+              <a:rPr lang="en-US" dirty="0" smtClean="0"/>
+              <a:t>x</a:t>
+            </a:r>
+            <a:r>
+              <a:rPr lang="en-US" baseline="-25000" dirty="0" smtClean="0"/>
+              <a:t>0</a:t>
+            </a:r>
+          </a:p>
+          <a:p>
+            <a:pPr algn="ctr"/>
+            <a:r>
+              <a:rPr lang="en-US" sz="1400" dirty="0" smtClean="0"/>
+              <a:t>I(x</a:t>
+            </a:r>
+            <a:r>
+              <a:rPr lang="en-US" sz="1400" baseline="-25000" dirty="0" smtClean="0"/>
+              <a:t>0</a:t>
+            </a:r>
+            <a:r>
+              <a:rPr lang="en-US" sz="1400" dirty="0" smtClean="0"/>
+              <a:t>)=3</a:t>
+            </a:r>
+            <a:endParaRPr lang="en-US" sz="1400" dirty="0"/>
+          </a:p>
+        </p:txBody>
+      </p:sp>
+      <p:cxnSp>
+        <p:nvCxnSpPr>
+          <p:cNvPr id="26" name="Straight Connector 25"/>
+          <p:cNvCxnSpPr/>
+          <p:nvPr/>
+        </p:nvCxnSpPr>
+        <p:spPr>
+          <a:xfrm flipV="1">
+            <a:off x="5667700" y="1295400"/>
+            <a:ext cx="650" cy="3200401"/>
+          </a:xfrm>
+          <a:prstGeom prst="line">
+            <a:avLst/>
+          </a:prstGeom>
+        </p:spPr>
+        <p:style>
+          <a:lnRef idx="1">
+            <a:schemeClr val="accent1"/>
+          </a:lnRef>
+          <a:fillRef idx="0">
+            <a:schemeClr val="accent1"/>
+          </a:fillRef>
+          <a:effectRef idx="0">
+            <a:schemeClr val="accent1"/>
+          </a:effectRef>
+          <a:fontRef idx="minor">
+            <a:schemeClr val="tx1"/>
+          </a:fontRef>
+        </p:style>
+      </p:cxnSp>
+      <p:cxnSp>
+        <p:nvCxnSpPr>
+          <p:cNvPr id="28" name="Straight Arrow Connector 27"/>
+          <p:cNvCxnSpPr/>
+          <p:nvPr/>
+        </p:nvCxnSpPr>
+        <p:spPr>
+          <a:xfrm flipH="1">
+            <a:off x="3886200" y="1295400"/>
+            <a:ext cx="1781500" cy="996950"/>
+          </a:xfrm>
+          <a:prstGeom prst="straightConnector1">
+            <a:avLst/>
+          </a:prstGeom>
+          <a:ln w="38100">
+            <a:prstDash val="sysDash"/>
+            <a:tailEnd type="arrow"/>
+          </a:ln>
+        </p:spPr>
+        <p:style>
+          <a:lnRef idx="1">
+            <a:schemeClr val="accent1"/>
+          </a:lnRef>
+          <a:fillRef idx="0">
+            <a:schemeClr val="accent1"/>
+          </a:fillRef>
+          <a:effectRef idx="0">
+            <a:schemeClr val="accent1"/>
+          </a:effectRef>
+          <a:fontRef idx="minor">
+            <a:schemeClr val="tx1"/>
+          </a:fontRef>
+        </p:style>
+      </p:cxnSp>
+      <p:cxnSp>
+        <p:nvCxnSpPr>
+          <p:cNvPr id="34" name="Straight Connector 33"/>
+          <p:cNvCxnSpPr/>
+          <p:nvPr/>
+        </p:nvCxnSpPr>
+        <p:spPr>
+          <a:xfrm flipV="1">
+            <a:off x="3886200" y="2667000"/>
+            <a:ext cx="0" cy="1828801"/>
+          </a:xfrm>
+          <a:prstGeom prst="line">
+            <a:avLst/>
+          </a:prstGeom>
+        </p:spPr>
+        <p:style>
+          <a:lnRef idx="1">
+            <a:schemeClr val="accent1"/>
+          </a:lnRef>
+          <a:fillRef idx="0">
+            <a:schemeClr val="accent1"/>
+          </a:fillRef>
+          <a:effectRef idx="0">
+            <a:schemeClr val="accent1"/>
+          </a:effectRef>
+          <a:fontRef idx="minor">
+            <a:schemeClr val="tx1"/>
+          </a:fontRef>
+        </p:style>
+      </p:cxnSp>
+      <p:sp>
+        <p:nvSpPr>
+          <p:cNvPr id="21" name="TextBox 20"/>
+          <p:cNvSpPr txBox="1"/>
+          <p:nvPr/>
+        </p:nvSpPr>
+        <p:spPr>
+          <a:xfrm>
+            <a:off x="1441610" y="381000"/>
+            <a:ext cx="2412840" cy="400110"/>
+          </a:xfrm>
+          <a:prstGeom prst="rect">
+            <a:avLst/>
+          </a:prstGeom>
+          <a:noFill/>
+        </p:spPr>
+        <p:txBody>
+          <a:bodyPr wrap="none" rtlCol="0">
+            <a:spAutoFit/>
+          </a:bodyPr>
+          <a:lstStyle/>
+          <a:p>
+            <a:r>
+              <a:rPr lang="en-US" sz="1600" b="1" dirty="0" smtClean="0">
+                <a:solidFill>
+                  <a:srgbClr val="FF0000"/>
+                </a:solidFill>
+              </a:rPr>
+              <a:t>u(x)=min</a:t>
+            </a:r>
+            <a:r>
+              <a:rPr lang="en-US" b="1" dirty="0" smtClean="0">
+                <a:solidFill>
+                  <a:srgbClr val="FF0000"/>
+                </a:solidFill>
+              </a:rPr>
+              <a:t>(</a:t>
+            </a:r>
+            <a:r>
+              <a:rPr lang="en-US" sz="1600" b="1" dirty="0">
+                <a:solidFill>
+                  <a:srgbClr val="FF0000"/>
+                </a:solidFill>
+              </a:rPr>
+              <a:t>q</a:t>
+            </a:r>
+            <a:r>
+              <a:rPr lang="en-US" sz="1600" b="1" baseline="-25000" dirty="0">
+                <a:solidFill>
+                  <a:srgbClr val="FF0000"/>
+                </a:solidFill>
+              </a:rPr>
+              <a:t>1</a:t>
+            </a:r>
+            <a:r>
+              <a:rPr lang="en-US" sz="1600" b="1" dirty="0">
+                <a:solidFill>
+                  <a:srgbClr val="FF0000"/>
+                </a:solidFill>
+              </a:rPr>
+              <a:t>(x</a:t>
+            </a:r>
+            <a:r>
+              <a:rPr lang="en-US" sz="1600" b="1" dirty="0" smtClean="0">
+                <a:solidFill>
+                  <a:srgbClr val="FF0000"/>
+                </a:solidFill>
+              </a:rPr>
+              <a:t>),q</a:t>
+            </a:r>
+            <a:r>
+              <a:rPr lang="en-US" sz="1600" b="1" baseline="-25000" dirty="0">
+                <a:solidFill>
+                  <a:srgbClr val="FF0000"/>
+                </a:solidFill>
+              </a:rPr>
+              <a:t>2</a:t>
+            </a:r>
+            <a:r>
+              <a:rPr lang="en-US" sz="1600" b="1" dirty="0" smtClean="0">
+                <a:solidFill>
+                  <a:srgbClr val="FF0000"/>
+                </a:solidFill>
+              </a:rPr>
+              <a:t>(x),q</a:t>
+            </a:r>
+            <a:r>
+              <a:rPr lang="en-US" sz="1600" b="1" baseline="-25000" dirty="0">
+                <a:solidFill>
+                  <a:srgbClr val="FF0000"/>
+                </a:solidFill>
+              </a:rPr>
+              <a:t>3</a:t>
+            </a:r>
+            <a:r>
+              <a:rPr lang="en-US" sz="1600" b="1" dirty="0" smtClean="0">
+                <a:solidFill>
+                  <a:srgbClr val="FF0000"/>
+                </a:solidFill>
+              </a:rPr>
+              <a:t>(x)</a:t>
+            </a:r>
+            <a:r>
+              <a:rPr lang="en-US" sz="2000" b="1" dirty="0" smtClean="0">
+                <a:solidFill>
+                  <a:srgbClr val="FF0000"/>
+                </a:solidFill>
+              </a:rPr>
+              <a:t>)</a:t>
+            </a:r>
+            <a:endParaRPr lang="en-US" sz="1600" b="1" dirty="0">
+              <a:solidFill>
+                <a:srgbClr val="FF0000"/>
+              </a:solidFill>
+            </a:endParaRPr>
+          </a:p>
+        </p:txBody>
+      </p:sp>
+      <p:cxnSp>
+        <p:nvCxnSpPr>
+          <p:cNvPr id="35" name="Straight Arrow Connector 34"/>
+          <p:cNvCxnSpPr/>
+          <p:nvPr/>
+        </p:nvCxnSpPr>
+        <p:spPr>
+          <a:xfrm flipH="1">
+            <a:off x="2622630" y="2590800"/>
+            <a:ext cx="1263570" cy="812806"/>
+          </a:xfrm>
+          <a:prstGeom prst="straightConnector1">
+            <a:avLst/>
+          </a:prstGeom>
+          <a:ln w="38100">
+            <a:prstDash val="sysDash"/>
+            <a:tailEnd type="arrow"/>
+          </a:ln>
+        </p:spPr>
+        <p:style>
+          <a:lnRef idx="1">
+            <a:schemeClr val="accent1"/>
+          </a:lnRef>
+          <a:fillRef idx="0">
+            <a:schemeClr val="accent1"/>
+          </a:fillRef>
+          <a:effectRef idx="0">
+            <a:schemeClr val="accent1"/>
+          </a:effectRef>
+          <a:fontRef idx="minor">
+            <a:schemeClr val="tx1"/>
+          </a:fontRef>
+        </p:style>
+      </p:cxnSp>
+      <p:cxnSp>
+        <p:nvCxnSpPr>
+          <p:cNvPr id="37" name="Straight Arrow Connector 36"/>
+          <p:cNvCxnSpPr/>
+          <p:nvPr/>
+        </p:nvCxnSpPr>
+        <p:spPr>
+          <a:xfrm>
+            <a:off x="3886200" y="2292350"/>
+            <a:ext cx="0" cy="298450"/>
+          </a:xfrm>
+          <a:prstGeom prst="straightConnector1">
+            <a:avLst/>
+          </a:prstGeom>
+          <a:ln w="38100">
+            <a:prstDash val="sysDash"/>
+            <a:tailEnd type="arrow"/>
+          </a:ln>
+        </p:spPr>
+        <p:style>
+          <a:lnRef idx="1">
+            <a:schemeClr val="accent1"/>
+          </a:lnRef>
+          <a:fillRef idx="0">
+            <a:schemeClr val="accent1"/>
+          </a:fillRef>
+          <a:effectRef idx="0">
+            <a:schemeClr val="accent1"/>
+          </a:effectRef>
+          <a:fontRef idx="minor">
+            <a:schemeClr val="tx1"/>
+          </a:fontRef>
+        </p:style>
+      </p:cxnSp>
+      <p:cxnSp>
+        <p:nvCxnSpPr>
+          <p:cNvPr id="40" name="Straight Arrow Connector 39"/>
+          <p:cNvCxnSpPr/>
+          <p:nvPr/>
+        </p:nvCxnSpPr>
+        <p:spPr>
+          <a:xfrm>
+            <a:off x="2648030" y="3448056"/>
+            <a:ext cx="0" cy="450844"/>
+          </a:xfrm>
+          <a:prstGeom prst="straightConnector1">
+            <a:avLst/>
+          </a:prstGeom>
+          <a:ln w="38100">
+            <a:prstDash val="sysDash"/>
+            <a:tailEnd type="arrow"/>
+          </a:ln>
+        </p:spPr>
+        <p:style>
+          <a:lnRef idx="1">
+            <a:schemeClr val="accent1"/>
+          </a:lnRef>
+          <a:fillRef idx="0">
+            <a:schemeClr val="accent1"/>
+          </a:fillRef>
+          <a:effectRef idx="0">
+            <a:schemeClr val="accent1"/>
+          </a:effectRef>
+          <a:fontRef idx="minor">
+            <a:schemeClr val="tx1"/>
+          </a:fontRef>
+        </p:style>
+      </p:cxnSp>
+      <p:cxnSp>
+        <p:nvCxnSpPr>
+          <p:cNvPr id="42" name="Straight Arrow Connector 41"/>
+          <p:cNvCxnSpPr/>
+          <p:nvPr/>
+        </p:nvCxnSpPr>
+        <p:spPr>
+          <a:xfrm flipH="1">
+            <a:off x="2133600" y="3886200"/>
+            <a:ext cx="514430" cy="374644"/>
+          </a:xfrm>
+          <a:prstGeom prst="straightConnector1">
+            <a:avLst/>
+          </a:prstGeom>
+          <a:ln w="38100">
+            <a:prstDash val="sysDash"/>
+            <a:tailEnd type="arrow"/>
+          </a:ln>
+        </p:spPr>
+        <p:style>
+          <a:lnRef idx="1">
+            <a:schemeClr val="accent1"/>
+          </a:lnRef>
+          <a:fillRef idx="0">
+            <a:schemeClr val="accent1"/>
+          </a:fillRef>
+          <a:effectRef idx="0">
+            <a:schemeClr val="accent1"/>
+          </a:effectRef>
+          <a:fontRef idx="minor">
+            <a:schemeClr val="tx1"/>
+          </a:fontRef>
+        </p:style>
+      </p:cxnSp>
+      <p:cxnSp>
+        <p:nvCxnSpPr>
+          <p:cNvPr id="44" name="Straight Connector 43"/>
+          <p:cNvCxnSpPr/>
+          <p:nvPr/>
+        </p:nvCxnSpPr>
+        <p:spPr>
+          <a:xfrm flipV="1">
+            <a:off x="2648030" y="3898900"/>
+            <a:ext cx="0" cy="1130302"/>
+          </a:xfrm>
+          <a:prstGeom prst="line">
+            <a:avLst/>
+          </a:prstGeom>
+          <a:ln w="9525">
+            <a:prstDash val="solid"/>
+          </a:ln>
+        </p:spPr>
+        <p:style>
+          <a:lnRef idx="1">
+            <a:schemeClr val="accent1"/>
+          </a:lnRef>
+          <a:fillRef idx="0">
+            <a:schemeClr val="accent1"/>
+          </a:fillRef>
+          <a:effectRef idx="0">
+            <a:schemeClr val="accent1"/>
+          </a:effectRef>
+          <a:fontRef idx="minor">
+            <a:schemeClr val="tx1"/>
+          </a:fontRef>
+        </p:style>
+      </p:cxnSp>
+      <p:cxnSp>
+        <p:nvCxnSpPr>
+          <p:cNvPr id="45" name="Straight Connector 44"/>
+          <p:cNvCxnSpPr/>
+          <p:nvPr/>
+        </p:nvCxnSpPr>
+        <p:spPr>
+          <a:xfrm flipV="1">
+            <a:off x="2139043" y="4288968"/>
+            <a:ext cx="0" cy="210312"/>
+          </a:xfrm>
+          <a:prstGeom prst="line">
+            <a:avLst/>
+          </a:prstGeom>
+        </p:spPr>
+        <p:style>
+          <a:lnRef idx="1">
+            <a:schemeClr val="accent1"/>
+          </a:lnRef>
+          <a:fillRef idx="0">
+            <a:schemeClr val="accent1"/>
+          </a:fillRef>
+          <a:effectRef idx="0">
+            <a:schemeClr val="accent1"/>
+          </a:effectRef>
+          <a:fontRef idx="minor">
+            <a:schemeClr val="tx1"/>
+          </a:fontRef>
+        </p:style>
+      </p:cxnSp>
+      <p:sp>
+        <p:nvSpPr>
+          <p:cNvPr id="51" name="TextBox 50"/>
+          <p:cNvSpPr txBox="1"/>
+          <p:nvPr/>
+        </p:nvSpPr>
+        <p:spPr>
+          <a:xfrm>
+            <a:off x="3147200" y="4495800"/>
+            <a:ext cx="1448602" cy="666849"/>
+          </a:xfrm>
+          <a:prstGeom prst="rect">
+            <a:avLst/>
+          </a:prstGeom>
+          <a:noFill/>
+        </p:spPr>
+        <p:txBody>
+          <a:bodyPr wrap="none" rtlCol="0">
+            <a:spAutoFit/>
+          </a:bodyPr>
+          <a:lstStyle/>
+          <a:p>
+            <a:pPr algn="ctr"/>
+            <a:r>
+              <a:rPr lang="en-US" sz="1400" dirty="0" smtClean="0"/>
+              <a:t>x</a:t>
+            </a:r>
+            <a:r>
+              <a:rPr lang="en-US" sz="1400" baseline="-25000" dirty="0" smtClean="0"/>
+              <a:t>1</a:t>
+            </a:r>
+            <a:r>
+              <a:rPr lang="en-US" sz="1400" dirty="0" smtClean="0"/>
+              <a:t> = </a:t>
+            </a:r>
+            <a:r>
+              <a:rPr lang="en-US" sz="1400" dirty="0" err="1" smtClean="0"/>
+              <a:t>argmin</a:t>
+            </a:r>
+            <a:r>
+              <a:rPr lang="en-US" sz="1400" dirty="0" smtClean="0"/>
+              <a:t> q</a:t>
+            </a:r>
+            <a:r>
+              <a:rPr lang="en-US" sz="1400" baseline="-25000" dirty="0" smtClean="0"/>
+              <a:t>3</a:t>
+            </a:r>
+            <a:r>
+              <a:rPr lang="en-US" sz="1400" dirty="0" smtClean="0"/>
+              <a:t>(x</a:t>
+            </a:r>
+            <a:r>
+              <a:rPr lang="en-US" sz="1400" baseline="-25000" dirty="0"/>
+              <a:t>0</a:t>
+            </a:r>
+            <a:r>
+              <a:rPr lang="en-US" sz="1400" dirty="0" smtClean="0"/>
+              <a:t>)</a:t>
+            </a:r>
+          </a:p>
+          <a:p>
+            <a:pPr algn="ctr"/>
+            <a:r>
+              <a:rPr lang="en-US" sz="1400" dirty="0" smtClean="0"/>
+              <a:t>I(x</a:t>
+            </a:r>
+            <a:r>
+              <a:rPr lang="en-US" sz="1400" baseline="-25000" dirty="0" smtClean="0"/>
+              <a:t>1</a:t>
+            </a:r>
+            <a:r>
+              <a:rPr lang="en-US" sz="1400" dirty="0" smtClean="0"/>
+              <a:t>)=</a:t>
+            </a:r>
+            <a:r>
+              <a:rPr lang="en-US" sz="1400" dirty="0"/>
+              <a:t>2</a:t>
+            </a:r>
+            <a:endParaRPr lang="en-US" sz="1400" dirty="0" smtClean="0"/>
+          </a:p>
+          <a:p>
+            <a:pPr algn="ctr"/>
+            <a:endParaRPr lang="en-US" sz="1400" baseline="-25000" dirty="0"/>
+          </a:p>
+        </p:txBody>
+      </p:sp>
+      <p:sp>
+        <p:nvSpPr>
+          <p:cNvPr id="52" name="TextBox 51"/>
+          <p:cNvSpPr txBox="1"/>
+          <p:nvPr/>
+        </p:nvSpPr>
+        <p:spPr>
+          <a:xfrm>
+            <a:off x="1959750" y="4951511"/>
+            <a:ext cx="1448602" cy="523220"/>
+          </a:xfrm>
+          <a:prstGeom prst="rect">
+            <a:avLst/>
+          </a:prstGeom>
+          <a:noFill/>
+        </p:spPr>
+        <p:txBody>
+          <a:bodyPr wrap="none" rtlCol="0">
+            <a:spAutoFit/>
+          </a:bodyPr>
+          <a:lstStyle/>
+          <a:p>
+            <a:pPr algn="ctr"/>
+            <a:r>
+              <a:rPr lang="en-US" sz="1400" dirty="0" smtClean="0"/>
+              <a:t>x</a:t>
+            </a:r>
+            <a:r>
+              <a:rPr lang="en-US" sz="1400" baseline="-25000" dirty="0"/>
+              <a:t>2</a:t>
+            </a:r>
+            <a:r>
+              <a:rPr lang="en-US" sz="1400" dirty="0" smtClean="0"/>
+              <a:t> = </a:t>
+            </a:r>
+            <a:r>
+              <a:rPr lang="en-US" sz="1400" dirty="0" err="1" smtClean="0"/>
+              <a:t>argmin</a:t>
+            </a:r>
+            <a:r>
+              <a:rPr lang="en-US" sz="1400" dirty="0" smtClean="0"/>
+              <a:t> q</a:t>
+            </a:r>
+            <a:r>
+              <a:rPr lang="en-US" sz="1400" baseline="-25000" dirty="0" smtClean="0"/>
+              <a:t>2</a:t>
+            </a:r>
+            <a:r>
+              <a:rPr lang="en-US" sz="1400" dirty="0" smtClean="0"/>
+              <a:t>(x</a:t>
+            </a:r>
+            <a:r>
+              <a:rPr lang="en-US" sz="1400" baseline="-25000" dirty="0"/>
+              <a:t>1</a:t>
+            </a:r>
+            <a:r>
+              <a:rPr lang="en-US" sz="1400" dirty="0" smtClean="0"/>
+              <a:t>)</a:t>
+            </a:r>
+          </a:p>
+          <a:p>
+            <a:pPr algn="ctr"/>
+            <a:r>
+              <a:rPr lang="en-US" sz="1400" dirty="0" smtClean="0"/>
+              <a:t>I(x</a:t>
+            </a:r>
+            <a:r>
+              <a:rPr lang="en-US" sz="1400" baseline="-25000" dirty="0" smtClean="0"/>
+              <a:t>2</a:t>
+            </a:r>
+            <a:r>
+              <a:rPr lang="en-US" sz="1400" dirty="0" smtClean="0"/>
+              <a:t>)=</a:t>
+            </a:r>
+            <a:r>
+              <a:rPr lang="en-US" sz="1400" dirty="0"/>
+              <a:t>1</a:t>
+            </a:r>
+          </a:p>
+        </p:txBody>
+      </p:sp>
+      <p:sp>
+        <p:nvSpPr>
+          <p:cNvPr id="54" name="TextBox 53"/>
+          <p:cNvSpPr txBox="1"/>
+          <p:nvPr/>
+        </p:nvSpPr>
+        <p:spPr>
+          <a:xfrm>
+            <a:off x="1276350" y="4448889"/>
+            <a:ext cx="1448602" cy="523220"/>
+          </a:xfrm>
+          <a:prstGeom prst="rect">
+            <a:avLst/>
+          </a:prstGeom>
+          <a:noFill/>
+        </p:spPr>
+        <p:txBody>
+          <a:bodyPr wrap="none" rtlCol="0">
+            <a:spAutoFit/>
+          </a:bodyPr>
+          <a:lstStyle/>
+          <a:p>
+            <a:pPr algn="ctr"/>
+            <a:r>
+              <a:rPr lang="en-US" sz="1400" dirty="0" smtClean="0"/>
+              <a:t>x</a:t>
+            </a:r>
+            <a:r>
+              <a:rPr lang="en-US" sz="1400" baseline="-25000" dirty="0" smtClean="0"/>
+              <a:t>3</a:t>
+            </a:r>
+            <a:r>
+              <a:rPr lang="en-US" sz="1400" dirty="0" smtClean="0"/>
+              <a:t> = </a:t>
+            </a:r>
+            <a:r>
+              <a:rPr lang="en-US" sz="1400" dirty="0" err="1" smtClean="0"/>
+              <a:t>argmin</a:t>
+            </a:r>
+            <a:r>
+              <a:rPr lang="en-US" sz="1400" dirty="0" smtClean="0"/>
+              <a:t> q</a:t>
+            </a:r>
+            <a:r>
+              <a:rPr lang="en-US" sz="1400" baseline="-25000" dirty="0" smtClean="0"/>
+              <a:t>1</a:t>
+            </a:r>
+            <a:r>
+              <a:rPr lang="en-US" sz="1400" dirty="0" smtClean="0"/>
+              <a:t>(x</a:t>
+            </a:r>
+            <a:r>
+              <a:rPr lang="en-US" sz="1400" baseline="-25000" dirty="0" smtClean="0"/>
+              <a:t>2</a:t>
+            </a:r>
+            <a:r>
+              <a:rPr lang="en-US" sz="1400" dirty="0" smtClean="0"/>
+              <a:t>)</a:t>
+            </a:r>
+          </a:p>
+          <a:p>
+            <a:pPr algn="ctr"/>
+            <a:r>
+              <a:rPr lang="en-US" sz="1400" dirty="0" smtClean="0"/>
+              <a:t>I(x</a:t>
+            </a:r>
+            <a:r>
+              <a:rPr lang="en-US" sz="1400" baseline="-25000" dirty="0" smtClean="0"/>
+              <a:t>3</a:t>
+            </a:r>
+            <a:r>
+              <a:rPr lang="en-US" sz="1400" dirty="0" smtClean="0"/>
+              <a:t>)=1 (stop)</a:t>
+            </a:r>
+            <a:endParaRPr lang="en-US" sz="1400" dirty="0"/>
+          </a:p>
+        </p:txBody>
+      </p:sp>
+    </p:spTree>
+    <p:extLst>
+      <p:ext uri="{BB962C8B-B14F-4D97-AF65-F5344CB8AC3E}">
+        <p14:creationId xmlns:p14="http://schemas.microsoft.com/office/powerpoint/2010/main" val="794131860"/>
+      </p:ext>
+    </p:extLst>
+  </p:cSld>
+  <p:clrMapOvr>
+    <a:masterClrMapping/>
+  </p:clrMapOvr>
+  <p:timing>
+    <p:tnLst>
+      <p:par>
+        <p:cTn id="1" dur="indefinite" restart="never" nodeType="tmRoot"/>
+      </p:par>
+    </p:tnLst>
+  </p:timing>
+</p:sld>
+</file>
+
+<file path=ppt/slides/slide3.xml><?xml version="1.0" encoding="utf-8"?>
+<p:sld xmlns:a="http://schemas.openxmlformats.org/drawingml/2006/main" xmlns:r="http://schemas.openxmlformats.org/officeDocument/2006/relationships" xmlns:p="http://schemas.openxmlformats.org/presentationml/2006/main">
+  <p:cSld>
+    <p:spTree>
+      <p:nvGrpSpPr>
+        <p:cNvPr id="1" name=""/>
+        <p:cNvGrpSpPr/>
+        <p:nvPr/>
+      </p:nvGrpSpPr>
+      <p:grpSpPr>
+        <a:xfrm>
+          <a:off x="0" y="0"/>
+          <a:ext cx="0" cy="0"/>
+          <a:chOff x="0" y="0"/>
+          <a:chExt cx="0" cy="0"/>
+        </a:xfrm>
+      </p:grpSpPr>
+      <p:pic>
+        <p:nvPicPr>
+          <p:cNvPr id="1026" name="Picture 2"/>
+          <p:cNvPicPr>
+            <a:picLocks noChangeAspect="1" noChangeArrowheads="1"/>
+          </p:cNvPicPr>
+          <p:nvPr/>
+        </p:nvPicPr>
+        <p:blipFill>
+          <a:blip r:embed="rId2" cstate="print">
+            <a:extLst>
+              <a:ext uri="{28A0092B-C50C-407E-A947-70E740481C1C}">
+                <a14:useLocalDpi xmlns:a14="http://schemas.microsoft.com/office/drawing/2010/main" val="0"/>
+              </a:ext>
+            </a:extLst>
+          </a:blip>
+          <a:srcRect/>
+          <a:stretch>
+            <a:fillRect/>
+          </a:stretch>
+        </p:blipFill>
+        <p:spPr bwMode="auto">
+          <a:xfrm>
+            <a:off x="160869" y="330201"/>
+            <a:ext cx="3503087" cy="2438400"/>
+          </a:xfrm>
+          <a:prstGeom prst="rect">
+            <a:avLst/>
+          </a:prstGeom>
+          <a:noFill/>
+          <a:ln>
+            <a:noFill/>
+          </a:ln>
+          <a:effectLst/>
+          <a:extLst>
+            <a:ext uri="{909E8E84-426E-40DD-AFC4-6F175D3DCCD1}">
+              <a14:hiddenFill xmlns:a14="http://schemas.microsoft.com/office/drawing/2010/main">
+                <a:solidFill>
+                  <a:schemeClr val="accent1"/>
+                </a:solidFill>
+              </a14:hiddenFill>
+            </a:ext>
+            <a:ext uri="{91240B29-F687-4F45-9708-019B960494DF}">
+              <a14:hiddenLine xmlns:a14="http://schemas.microsoft.com/office/drawing/2010/main" w="9525">
+                <a:solidFill>
+                  <a:schemeClr val="tx1"/>
+                </a:solidFill>
+                <a:miter lim="800000"/>
+                <a:headEnd/>
+                <a:tailEnd/>
+              </a14:hiddenLine>
+            </a:ext>
+            <a:ext uri="{AF507438-7753-43E0-B8FC-AC1667EBCBE1}">
+              <a14:hiddenEffects xmlns:a14="http://schemas.microsoft.com/office/drawing/2010/main">
+                <a:effectLst>
+                  <a:outerShdw dist="35921" dir="2700000" algn="ctr" rotWithShape="0">
+                    <a:schemeClr val="bg2"/>
+                  </a:outerShdw>
+                </a:effectLst>
+              </a14:hiddenEffects>
+            </a:ext>
+          </a:extLst>
+        </p:spPr>
+      </p:pic>
+      <p:sp>
+        <p:nvSpPr>
+          <p:cNvPr id="4" name="Rectangle 3"/>
+          <p:cNvSpPr/>
+          <p:nvPr/>
+        </p:nvSpPr>
+        <p:spPr>
+          <a:xfrm>
+            <a:off x="1075270" y="1625601"/>
+            <a:ext cx="609600" cy="381000"/>
+          </a:xfrm>
+          <a:prstGeom prst="rect">
+            <a:avLst/>
+          </a:prstGeom>
+          <a:noFill/>
+          <a:ln w="12700">
+            <a:prstDash val="dash"/>
+          </a:ln>
+        </p:spPr>
+        <p:style>
+          <a:lnRef idx="2">
+            <a:schemeClr val="accent1">
+              <a:shade val="50000"/>
+            </a:schemeClr>
+          </a:lnRef>
+          <a:fillRef idx="1">
+            <a:schemeClr val="accent1"/>
+          </a:fillRef>
+          <a:effectRef idx="0">
+            <a:schemeClr val="accent1"/>
+          </a:effectRef>
+          <a:fontRef idx="minor">
+            <a:schemeClr val="lt1"/>
+          </a:fontRef>
+        </p:style>
+        <p:txBody>
+          <a:bodyPr rtlCol="0" anchor="ctr"/>
+          <a:lstStyle/>
+          <a:p>
+            <a:pPr algn="ctr"/>
+            <a:endParaRPr lang="en-US"/>
+          </a:p>
+        </p:txBody>
+      </p:sp>
+      <p:pic>
+        <p:nvPicPr>
+          <p:cNvPr id="1027" name="Picture 3"/>
+          <p:cNvPicPr>
+            <a:picLocks noChangeAspect="1" noChangeArrowheads="1"/>
+          </p:cNvPicPr>
+          <p:nvPr/>
+        </p:nvPicPr>
+        <p:blipFill>
+          <a:blip r:embed="rId3" cstate="print">
+            <a:extLst>
+              <a:ext uri="{28A0092B-C50C-407E-A947-70E740481C1C}">
+                <a14:useLocalDpi xmlns:a14="http://schemas.microsoft.com/office/drawing/2010/main" val="0"/>
+              </a:ext>
+            </a:extLst>
+          </a:blip>
+          <a:srcRect/>
+          <a:stretch>
+            <a:fillRect/>
+          </a:stretch>
+        </p:blipFill>
+        <p:spPr bwMode="auto">
+          <a:xfrm>
+            <a:off x="3352800" y="338666"/>
+            <a:ext cx="3454433" cy="2404533"/>
+          </a:xfrm>
+          <a:prstGeom prst="rect">
+            <a:avLst/>
+          </a:prstGeom>
+          <a:noFill/>
+          <a:ln>
+            <a:noFill/>
+          </a:ln>
+          <a:effectLst/>
+          <a:extLst>
+            <a:ext uri="{909E8E84-426E-40DD-AFC4-6F175D3DCCD1}">
+              <a14:hiddenFill xmlns:a14="http://schemas.microsoft.com/office/drawing/2010/main">
+                <a:solidFill>
+                  <a:schemeClr val="accent1"/>
+                </a:solidFill>
+              </a14:hiddenFill>
+            </a:ext>
+            <a:ext uri="{91240B29-F687-4F45-9708-019B960494DF}">
+              <a14:hiddenLine xmlns:a14="http://schemas.microsoft.com/office/drawing/2010/main" w="9525">
+                <a:solidFill>
+                  <a:schemeClr val="tx1"/>
+                </a:solidFill>
+                <a:miter lim="800000"/>
+                <a:headEnd/>
+                <a:tailEnd/>
+              </a14:hiddenLine>
+            </a:ext>
+            <a:ext uri="{AF507438-7753-43E0-B8FC-AC1667EBCBE1}">
+              <a14:hiddenEffects xmlns:a14="http://schemas.microsoft.com/office/drawing/2010/main">
+                <a:effectLst>
+                  <a:outerShdw dist="35921" dir="2700000" algn="ctr" rotWithShape="0">
+                    <a:schemeClr val="bg2"/>
+                  </a:outerShdw>
+                </a:effectLst>
+              </a14:hiddenEffects>
+            </a:ext>
+          </a:extLst>
+        </p:spPr>
+      </p:pic>
+      <p:sp>
+        <p:nvSpPr>
+          <p:cNvPr id="5" name="TextBox 4"/>
+          <p:cNvSpPr txBox="1"/>
+          <p:nvPr/>
+        </p:nvSpPr>
+        <p:spPr>
+          <a:xfrm>
+            <a:off x="1618683" y="1933032"/>
+            <a:ext cx="301686" cy="369332"/>
+          </a:xfrm>
+          <a:prstGeom prst="rect">
+            <a:avLst/>
+          </a:prstGeom>
+          <a:noFill/>
+        </p:spPr>
+        <p:txBody>
+          <a:bodyPr wrap="none" rtlCol="0">
+            <a:spAutoFit/>
+          </a:bodyPr>
+          <a:lstStyle/>
+          <a:p>
+            <a:r>
+              <a:rPr lang="en-US" dirty="0" smtClean="0"/>
+              <a:t>2</a:t>
+            </a:r>
+            <a:endParaRPr lang="en-US" dirty="0"/>
+          </a:p>
+        </p:txBody>
+      </p:sp>
+      <p:sp>
+        <p:nvSpPr>
+          <p:cNvPr id="8" name="TextBox 7"/>
+          <p:cNvSpPr txBox="1"/>
+          <p:nvPr/>
+        </p:nvSpPr>
+        <p:spPr>
+          <a:xfrm>
+            <a:off x="2135160" y="1468963"/>
+            <a:ext cx="301686" cy="369332"/>
+          </a:xfrm>
+          <a:prstGeom prst="rect">
+            <a:avLst/>
+          </a:prstGeom>
+          <a:noFill/>
+        </p:spPr>
+        <p:txBody>
+          <a:bodyPr wrap="none" rtlCol="0">
+            <a:spAutoFit/>
+          </a:bodyPr>
+          <a:lstStyle/>
+          <a:p>
+            <a:r>
+              <a:rPr lang="en-US" dirty="0"/>
+              <a:t>3</a:t>
+            </a:r>
+          </a:p>
+        </p:txBody>
+      </p:sp>
+      <p:sp>
+        <p:nvSpPr>
+          <p:cNvPr id="9" name="TextBox 8"/>
+          <p:cNvSpPr txBox="1"/>
+          <p:nvPr/>
+        </p:nvSpPr>
+        <p:spPr>
+          <a:xfrm>
+            <a:off x="5383957" y="1644590"/>
+            <a:ext cx="301686" cy="369332"/>
+          </a:xfrm>
+          <a:prstGeom prst="rect">
+            <a:avLst/>
+          </a:prstGeom>
+          <a:noFill/>
+        </p:spPr>
+        <p:txBody>
+          <a:bodyPr wrap="none" rtlCol="0">
+            <a:spAutoFit/>
+          </a:bodyPr>
+          <a:lstStyle/>
+          <a:p>
+            <a:r>
+              <a:rPr lang="en-US" dirty="0" smtClean="0"/>
+              <a:t>4</a:t>
+            </a:r>
+            <a:endParaRPr lang="en-US" dirty="0"/>
+          </a:p>
+        </p:txBody>
+      </p:sp>
+      <p:sp>
+        <p:nvSpPr>
+          <p:cNvPr id="10" name="TextBox 9"/>
+          <p:cNvSpPr txBox="1"/>
+          <p:nvPr/>
+        </p:nvSpPr>
+        <p:spPr>
+          <a:xfrm>
+            <a:off x="5685643" y="1459924"/>
+            <a:ext cx="301686" cy="369332"/>
+          </a:xfrm>
+          <a:prstGeom prst="rect">
+            <a:avLst/>
+          </a:prstGeom>
+          <a:noFill/>
+        </p:spPr>
+        <p:txBody>
+          <a:bodyPr wrap="none" rtlCol="0">
+            <a:spAutoFit/>
+          </a:bodyPr>
+          <a:lstStyle/>
+          <a:p>
+            <a:r>
+              <a:rPr lang="en-US" dirty="0"/>
+              <a:t>5</a:t>
+            </a:r>
+          </a:p>
+        </p:txBody>
+      </p:sp>
+      <p:sp>
+        <p:nvSpPr>
+          <p:cNvPr id="11" name="TextBox 10"/>
+          <p:cNvSpPr txBox="1"/>
+          <p:nvPr/>
+        </p:nvSpPr>
+        <p:spPr>
+          <a:xfrm>
+            <a:off x="4762792" y="1277889"/>
+            <a:ext cx="418704" cy="369332"/>
+          </a:xfrm>
+          <a:prstGeom prst="rect">
+            <a:avLst/>
+          </a:prstGeom>
+          <a:noFill/>
+        </p:spPr>
+        <p:txBody>
+          <a:bodyPr wrap="none" rtlCol="0">
+            <a:spAutoFit/>
+          </a:bodyPr>
+          <a:lstStyle/>
+          <a:p>
+            <a:r>
+              <a:rPr lang="en-US" dirty="0" smtClean="0"/>
+              <a:t>10</a:t>
+            </a:r>
+            <a:endParaRPr lang="en-US" dirty="0"/>
+          </a:p>
+        </p:txBody>
+      </p:sp>
+      <p:sp>
+        <p:nvSpPr>
+          <p:cNvPr id="12" name="TextBox 11"/>
+          <p:cNvSpPr txBox="1"/>
+          <p:nvPr/>
+        </p:nvSpPr>
+        <p:spPr>
+          <a:xfrm>
+            <a:off x="5086781" y="1981200"/>
+            <a:ext cx="301686" cy="369332"/>
+          </a:xfrm>
+          <a:prstGeom prst="rect">
+            <a:avLst/>
+          </a:prstGeom>
+          <a:noFill/>
+        </p:spPr>
+        <p:txBody>
+          <a:bodyPr wrap="none" rtlCol="0">
+            <a:spAutoFit/>
+          </a:bodyPr>
+          <a:lstStyle/>
+          <a:p>
+            <a:r>
+              <a:rPr lang="en-US" dirty="0"/>
+              <a:t>3</a:t>
+            </a:r>
+          </a:p>
+        </p:txBody>
+      </p:sp>
+      <p:sp>
+        <p:nvSpPr>
+          <p:cNvPr id="13" name="TextBox 12"/>
+          <p:cNvSpPr txBox="1"/>
+          <p:nvPr/>
+        </p:nvSpPr>
+        <p:spPr>
+          <a:xfrm>
+            <a:off x="3903134" y="2083258"/>
+            <a:ext cx="301686" cy="369332"/>
+          </a:xfrm>
+          <a:prstGeom prst="rect">
+            <a:avLst/>
+          </a:prstGeom>
+          <a:noFill/>
+        </p:spPr>
+        <p:txBody>
+          <a:bodyPr wrap="none" rtlCol="0">
+            <a:spAutoFit/>
+          </a:bodyPr>
+          <a:lstStyle/>
+          <a:p>
+            <a:r>
+              <a:rPr lang="en-US" dirty="0" smtClean="0"/>
+              <a:t>2</a:t>
+            </a:r>
+            <a:endParaRPr lang="en-US" dirty="0"/>
+          </a:p>
+        </p:txBody>
+      </p:sp>
+      <p:sp>
+        <p:nvSpPr>
+          <p:cNvPr id="6" name="TextBox 5"/>
+          <p:cNvSpPr txBox="1"/>
+          <p:nvPr/>
+        </p:nvSpPr>
+        <p:spPr>
+          <a:xfrm>
+            <a:off x="1101933" y="2619401"/>
+            <a:ext cx="1673856" cy="369332"/>
+          </a:xfrm>
+          <a:prstGeom prst="rect">
+            <a:avLst/>
+          </a:prstGeom>
+          <a:noFill/>
+        </p:spPr>
+        <p:txBody>
+          <a:bodyPr wrap="none" rtlCol="0">
+            <a:spAutoFit/>
+          </a:bodyPr>
+          <a:lstStyle/>
+          <a:p>
+            <a:r>
+              <a:rPr lang="en-US" dirty="0" smtClean="0"/>
+              <a:t>x</a:t>
+            </a:r>
+            <a:r>
+              <a:rPr lang="en-US" baseline="-25000" dirty="0" smtClean="0"/>
+              <a:t>i</a:t>
+            </a:r>
+            <a:r>
+              <a:rPr lang="en-US" dirty="0" smtClean="0"/>
+              <a:t> = [2.5, 3, 4, 8]</a:t>
+            </a:r>
+            <a:endParaRPr lang="en-US" dirty="0"/>
+          </a:p>
+        </p:txBody>
+      </p:sp>
+      <p:sp>
+        <p:nvSpPr>
+          <p:cNvPr id="7" name="TextBox 6"/>
+          <p:cNvSpPr txBox="1"/>
+          <p:nvPr/>
+        </p:nvSpPr>
+        <p:spPr>
+          <a:xfrm>
+            <a:off x="1524000" y="762000"/>
+            <a:ext cx="889987" cy="369332"/>
+          </a:xfrm>
+          <a:prstGeom prst="rect">
+            <a:avLst/>
+          </a:prstGeom>
+          <a:noFill/>
+        </p:spPr>
+        <p:txBody>
+          <a:bodyPr wrap="none" rtlCol="0">
+            <a:spAutoFit/>
+          </a:bodyPr>
+          <a:lstStyle/>
+          <a:p>
+            <a:r>
+              <a:rPr lang="en-US" dirty="0" err="1" smtClean="0">
+                <a:solidFill>
+                  <a:srgbClr val="FF0000"/>
+                </a:solidFill>
+                <a:latin typeface="Symbol" pitchFamily="18" charset="2"/>
+              </a:rPr>
+              <a:t>S</a:t>
+            </a:r>
+            <a:r>
+              <a:rPr lang="en-US" baseline="-25000" dirty="0" err="1" smtClean="0">
+                <a:solidFill>
+                  <a:srgbClr val="FF0000"/>
+                </a:solidFill>
+              </a:rPr>
+              <a:t>i</a:t>
+            </a:r>
+            <a:r>
+              <a:rPr lang="en-US" dirty="0" err="1" smtClean="0">
+                <a:solidFill>
+                  <a:srgbClr val="FF0000"/>
+                </a:solidFill>
+              </a:rPr>
+              <a:t>|x</a:t>
+            </a:r>
+            <a:r>
+              <a:rPr lang="en-US" baseline="-25000" dirty="0" err="1" smtClean="0">
+                <a:solidFill>
+                  <a:srgbClr val="FF0000"/>
+                </a:solidFill>
+              </a:rPr>
+              <a:t>i</a:t>
+            </a:r>
+            <a:r>
+              <a:rPr lang="en-US" dirty="0" err="1" smtClean="0">
+                <a:solidFill>
+                  <a:srgbClr val="FF0000"/>
+                </a:solidFill>
+              </a:rPr>
+              <a:t>-x</a:t>
+            </a:r>
+            <a:r>
+              <a:rPr lang="en-US" dirty="0" smtClean="0">
+                <a:solidFill>
+                  <a:srgbClr val="FF0000"/>
+                </a:solidFill>
+              </a:rPr>
+              <a:t>|</a:t>
+            </a:r>
+            <a:endParaRPr lang="en-US" dirty="0">
+              <a:solidFill>
+                <a:srgbClr val="FF0000"/>
+              </a:solidFill>
+            </a:endParaRPr>
+          </a:p>
+        </p:txBody>
+      </p:sp>
+      <p:cxnSp>
+        <p:nvCxnSpPr>
+          <p:cNvPr id="15" name="Straight Arrow Connector 14"/>
+          <p:cNvCxnSpPr/>
+          <p:nvPr/>
+        </p:nvCxnSpPr>
+        <p:spPr>
+          <a:xfrm>
+            <a:off x="2182846" y="1131332"/>
+            <a:ext cx="331754" cy="146557"/>
+          </a:xfrm>
+          <a:prstGeom prst="straightConnector1">
+            <a:avLst/>
+          </a:prstGeom>
+          <a:ln>
+            <a:solidFill>
+              <a:srgbClr val="FF0000"/>
+            </a:solidFill>
+            <a:tailEnd type="arrow"/>
+          </a:ln>
+        </p:spPr>
+        <p:style>
+          <a:lnRef idx="1">
+            <a:schemeClr val="accent1"/>
+          </a:lnRef>
+          <a:fillRef idx="0">
+            <a:schemeClr val="accent1"/>
+          </a:fillRef>
+          <a:effectRef idx="0">
+            <a:schemeClr val="accent1"/>
+          </a:effectRef>
+          <a:fontRef idx="minor">
+            <a:schemeClr val="tx1"/>
+          </a:fontRef>
+        </p:style>
+      </p:cxnSp>
+      <p:sp>
+        <p:nvSpPr>
+          <p:cNvPr id="16" name="TextBox 15"/>
+          <p:cNvSpPr txBox="1"/>
+          <p:nvPr/>
+        </p:nvSpPr>
+        <p:spPr>
+          <a:xfrm>
+            <a:off x="2125130" y="1949394"/>
+            <a:ext cx="1326004" cy="338554"/>
+          </a:xfrm>
+          <a:prstGeom prst="rect">
+            <a:avLst/>
+          </a:prstGeom>
+          <a:noFill/>
+        </p:spPr>
+        <p:txBody>
+          <a:bodyPr wrap="none" rtlCol="0">
+            <a:spAutoFit/>
+          </a:bodyPr>
+          <a:lstStyle/>
+          <a:p>
+            <a:r>
+              <a:rPr lang="en-US" sz="1600" dirty="0" smtClean="0">
+                <a:solidFill>
+                  <a:srgbClr val="0000FF"/>
+                </a:solidFill>
+                <a:latin typeface="Symbol" pitchFamily="18" charset="2"/>
+              </a:rPr>
+              <a:t>S</a:t>
+            </a:r>
+            <a:r>
+              <a:rPr lang="en-US" sz="1600" baseline="-25000" dirty="0" smtClean="0">
+                <a:solidFill>
+                  <a:srgbClr val="0000FF"/>
+                </a:solidFill>
+              </a:rPr>
+              <a:t>i</a:t>
+            </a:r>
+            <a:r>
+              <a:rPr lang="en-US" sz="1600" dirty="0" smtClean="0">
+                <a:solidFill>
+                  <a:srgbClr val="0000FF"/>
+                </a:solidFill>
+              </a:rPr>
+              <a:t>u</a:t>
+            </a:r>
+            <a:r>
+              <a:rPr lang="en-US" sz="1600" baseline="-25000" dirty="0" smtClean="0">
+                <a:solidFill>
+                  <a:srgbClr val="0000FF"/>
+                </a:solidFill>
+              </a:rPr>
+              <a:t>PQSQ-L1</a:t>
+            </a:r>
+            <a:r>
+              <a:rPr lang="en-US" sz="1600" dirty="0" smtClean="0">
+                <a:solidFill>
+                  <a:srgbClr val="0000FF"/>
+                </a:solidFill>
+              </a:rPr>
+              <a:t>(</a:t>
+            </a:r>
+            <a:r>
+              <a:rPr lang="en-US" sz="1600" dirty="0" smtClean="0">
+                <a:solidFill>
+                  <a:srgbClr val="0000FF"/>
+                </a:solidFill>
+              </a:rPr>
+              <a:t>x</a:t>
+            </a:r>
+            <a:r>
+              <a:rPr lang="en-US" sz="1600" baseline="-25000" dirty="0" smtClean="0">
+                <a:solidFill>
+                  <a:srgbClr val="0000FF"/>
+                </a:solidFill>
+              </a:rPr>
+              <a:t>i</a:t>
+            </a:r>
+            <a:r>
+              <a:rPr lang="en-US" sz="1600" dirty="0" smtClean="0">
+                <a:solidFill>
+                  <a:srgbClr val="0000FF"/>
+                </a:solidFill>
+              </a:rPr>
+              <a:t>-x</a:t>
+            </a:r>
+            <a:r>
+              <a:rPr lang="en-US" sz="1600" dirty="0">
+                <a:solidFill>
+                  <a:srgbClr val="0000FF"/>
+                </a:solidFill>
+              </a:rPr>
+              <a:t>)</a:t>
+            </a:r>
+            <a:endParaRPr lang="en-US" sz="1600" dirty="0">
+              <a:solidFill>
+                <a:srgbClr val="0000FF"/>
+              </a:solidFill>
+            </a:endParaRPr>
+          </a:p>
+        </p:txBody>
+      </p:sp>
+      <p:cxnSp>
+        <p:nvCxnSpPr>
+          <p:cNvPr id="3" name="Straight Arrow Connector 2"/>
+          <p:cNvCxnSpPr/>
+          <p:nvPr/>
+        </p:nvCxnSpPr>
+        <p:spPr>
+          <a:xfrm flipH="1" flipV="1">
+            <a:off x="2514600" y="1816101"/>
+            <a:ext cx="234957" cy="276196"/>
+          </a:xfrm>
+          <a:prstGeom prst="straightConnector1">
+            <a:avLst/>
+          </a:prstGeom>
+          <a:ln>
+            <a:solidFill>
+              <a:srgbClr val="0000FF"/>
+            </a:solidFill>
+            <a:tailEnd type="arrow"/>
+          </a:ln>
+        </p:spPr>
+        <p:style>
+          <a:lnRef idx="1">
+            <a:schemeClr val="accent1"/>
+          </a:lnRef>
+          <a:fillRef idx="0">
+            <a:schemeClr val="accent1"/>
+          </a:fillRef>
+          <a:effectRef idx="0">
+            <a:schemeClr val="accent1"/>
+          </a:effectRef>
+          <a:fontRef idx="minor">
+            <a:schemeClr val="tx1"/>
+          </a:fontRef>
+        </p:style>
+      </p:cxnSp>
+    </p:spTree>
+    <p:extLst>
+      <p:ext uri="{BB962C8B-B14F-4D97-AF65-F5344CB8AC3E}">
+        <p14:creationId xmlns:p14="http://schemas.microsoft.com/office/powerpoint/2010/main" val="1444096917"/>
       </p:ext>
     </p:extLst>
   </p:cSld>
